--- a/Apex_PPT.pptx
+++ b/Apex_PPT.pptx
@@ -150,7 +150,7 @@
   <pc:docChgLst>
     <pc:chgData name="241914-Muhammad Bilal" userId="39abd5ef0e39aafd" providerId="LiveId" clId="{9306A163-08C4-45EF-8EE0-4193EE2A54A1}"/>
     <pc:docChg chg="undo custSel addSld modSld">
-      <pc:chgData name="241914-Muhammad Bilal" userId="39abd5ef0e39aafd" providerId="LiveId" clId="{9306A163-08C4-45EF-8EE0-4193EE2A54A1}" dt="2025-06-11T16:43:11.652" v="811"/>
+      <pc:chgData name="241914-Muhammad Bilal" userId="39abd5ef0e39aafd" providerId="LiveId" clId="{9306A163-08C4-45EF-8EE0-4193EE2A54A1}" dt="2025-06-14T18:32:00.089" v="819" actId="1076"/>
       <pc:docMkLst>
         <pc:docMk/>
       </pc:docMkLst>
@@ -166,22 +166,6 @@
             <pc:docMk/>
             <pc:sldMk cId="0" sldId="256"/>
             <ac:spMk id="3" creationId="{00000000-0000-0000-0000-000000000000}"/>
-          </ac:spMkLst>
-        </pc:spChg>
-        <pc:spChg chg="del mod">
-          <ac:chgData name="241914-Muhammad Bilal" userId="39abd5ef0e39aafd" providerId="LiveId" clId="{9306A163-08C4-45EF-8EE0-4193EE2A54A1}" dt="2025-06-11T15:34:11.679" v="43" actId="478"/>
-          <ac:spMkLst>
-            <pc:docMk/>
-            <pc:sldMk cId="0" sldId="256"/>
-            <ac:spMk id="4" creationId="{00000000-0000-0000-0000-000000000000}"/>
-          </ac:spMkLst>
-        </pc:spChg>
-        <pc:spChg chg="del">
-          <ac:chgData name="241914-Muhammad Bilal" userId="39abd5ef0e39aafd" providerId="LiveId" clId="{9306A163-08C4-45EF-8EE0-4193EE2A54A1}" dt="2025-06-11T15:34:24.989" v="47" actId="478"/>
-          <ac:spMkLst>
-            <pc:docMk/>
-            <pc:sldMk cId="0" sldId="256"/>
-            <ac:spMk id="5" creationId="{00000000-0000-0000-0000-000000000000}"/>
           </ac:spMkLst>
         </pc:spChg>
         <pc:spChg chg="mod">
@@ -208,30 +192,6 @@
             <ac:spMk id="10" creationId="{982CE986-227A-266D-B01D-76383CED2610}"/>
           </ac:spMkLst>
         </pc:spChg>
-        <pc:picChg chg="del">
-          <ac:chgData name="241914-Muhammad Bilal" userId="39abd5ef0e39aafd" providerId="LiveId" clId="{9306A163-08C4-45EF-8EE0-4193EE2A54A1}" dt="2025-06-11T15:30:47.845" v="0" actId="478"/>
-          <ac:picMkLst>
-            <pc:docMk/>
-            <pc:sldMk cId="0" sldId="256"/>
-            <ac:picMk id="2" creationId="{00000000-0000-0000-0000-000000000000}"/>
-          </ac:picMkLst>
-        </pc:picChg>
-        <pc:picChg chg="del">
-          <ac:chgData name="241914-Muhammad Bilal" userId="39abd5ef0e39aafd" providerId="LiveId" clId="{9306A163-08C4-45EF-8EE0-4193EE2A54A1}" dt="2025-06-11T15:34:23.130" v="45" actId="478"/>
-          <ac:picMkLst>
-            <pc:docMk/>
-            <pc:sldMk cId="0" sldId="256"/>
-            <ac:picMk id="6" creationId="{00000000-0000-0000-0000-000000000000}"/>
-          </ac:picMkLst>
-        </pc:picChg>
-        <pc:picChg chg="del">
-          <ac:chgData name="241914-Muhammad Bilal" userId="39abd5ef0e39aafd" providerId="LiveId" clId="{9306A163-08C4-45EF-8EE0-4193EE2A54A1}" dt="2025-06-11T15:34:24.020" v="46" actId="478"/>
-          <ac:picMkLst>
-            <pc:docMk/>
-            <pc:sldMk cId="0" sldId="256"/>
-            <ac:picMk id="8" creationId="{6EDE148F-6906-3246-C6F8-F190B3B51E25}"/>
-          </ac:picMkLst>
-        </pc:picChg>
         <pc:picChg chg="add mod">
           <ac:chgData name="241914-Muhammad Bilal" userId="39abd5ef0e39aafd" providerId="LiveId" clId="{9306A163-08C4-45EF-8EE0-4193EE2A54A1}" dt="2025-06-11T16:22:10.617" v="570" actId="1076"/>
           <ac:picMkLst>
@@ -254,14 +214,6 @@
             <pc:docMk/>
             <pc:sldMk cId="0" sldId="256"/>
             <ac:picMk id="1026" creationId="{F05A59ED-9881-9DB5-0441-02144D22B189}"/>
-          </ac:picMkLst>
-        </pc:picChg>
-        <pc:picChg chg="add del">
-          <ac:chgData name="241914-Muhammad Bilal" userId="39abd5ef0e39aafd" providerId="LiveId" clId="{9306A163-08C4-45EF-8EE0-4193EE2A54A1}" dt="2025-06-11T16:22:50.693" v="572" actId="478"/>
-          <ac:picMkLst>
-            <pc:docMk/>
-            <pc:sldMk cId="0" sldId="256"/>
-            <ac:picMk id="1030" creationId="{FC0CBAEC-0195-4951-43F8-6D63A0EAF57F}"/>
           </ac:picMkLst>
         </pc:picChg>
       </pc:sldChg>
@@ -406,14 +358,6 @@
             <ac:spMk id="11" creationId="{54A877A7-FC21-9193-6865-DC23EA4132B6}"/>
           </ac:spMkLst>
         </pc:spChg>
-        <pc:picChg chg="del">
-          <ac:chgData name="241914-Muhammad Bilal" userId="39abd5ef0e39aafd" providerId="LiveId" clId="{9306A163-08C4-45EF-8EE0-4193EE2A54A1}" dt="2025-06-11T15:37:47.232" v="90" actId="478"/>
-          <ac:picMkLst>
-            <pc:docMk/>
-            <pc:sldMk cId="0" sldId="259"/>
-            <ac:picMk id="8" creationId="{00000000-0000-0000-0000-000000000000}"/>
-          </ac:picMkLst>
-        </pc:picChg>
       </pc:sldChg>
       <pc:sldChg chg="addSp modSp mod">
         <pc:chgData name="241914-Muhammad Bilal" userId="39abd5ef0e39aafd" providerId="LiveId" clId="{9306A163-08C4-45EF-8EE0-4193EE2A54A1}" dt="2025-06-11T16:36:07.287" v="719" actId="14100"/>
@@ -516,14 +460,6 @@
             <ac:spMk id="4" creationId="{00000000-0000-0000-0000-000000000000}"/>
           </ac:spMkLst>
         </pc:spChg>
-        <pc:picChg chg="del">
-          <ac:chgData name="241914-Muhammad Bilal" userId="39abd5ef0e39aafd" providerId="LiveId" clId="{9306A163-08C4-45EF-8EE0-4193EE2A54A1}" dt="2025-06-11T15:43:33.709" v="158" actId="478"/>
-          <ac:picMkLst>
-            <pc:docMk/>
-            <pc:sldMk cId="0" sldId="261"/>
-            <ac:picMk id="2" creationId="{00000000-0000-0000-0000-000000000000}"/>
-          </ac:picMkLst>
-        </pc:picChg>
         <pc:picChg chg="add mod">
           <ac:chgData name="241914-Muhammad Bilal" userId="39abd5ef0e39aafd" providerId="LiveId" clId="{9306A163-08C4-45EF-8EE0-4193EE2A54A1}" dt="2025-06-11T15:59:08.211" v="342" actId="1076"/>
           <ac:picMkLst>
@@ -533,14 +469,22 @@
           </ac:picMkLst>
         </pc:picChg>
       </pc:sldChg>
-      <pc:sldChg chg="modSp mod modTransition">
-        <pc:chgData name="241914-Muhammad Bilal" userId="39abd5ef0e39aafd" providerId="LiveId" clId="{9306A163-08C4-45EF-8EE0-4193EE2A54A1}" dt="2025-06-11T16:40:20.867" v="783"/>
+      <pc:sldChg chg="addSp delSp modSp mod modTransition">
+        <pc:chgData name="241914-Muhammad Bilal" userId="39abd5ef0e39aafd" providerId="LiveId" clId="{9306A163-08C4-45EF-8EE0-4193EE2A54A1}" dt="2025-06-14T18:32:00.089" v="819" actId="1076"/>
         <pc:sldMkLst>
           <pc:docMk/>
           <pc:sldMk cId="0" sldId="262"/>
         </pc:sldMkLst>
-        <pc:picChg chg="mod">
-          <ac:chgData name="241914-Muhammad Bilal" userId="39abd5ef0e39aafd" providerId="LiveId" clId="{9306A163-08C4-45EF-8EE0-4193EE2A54A1}" dt="2025-06-11T16:35:48.625" v="718" actId="1076"/>
+        <pc:picChg chg="add mod">
+          <ac:chgData name="241914-Muhammad Bilal" userId="39abd5ef0e39aafd" providerId="LiveId" clId="{9306A163-08C4-45EF-8EE0-4193EE2A54A1}" dt="2025-06-14T18:32:00.089" v="819" actId="1076"/>
+          <ac:picMkLst>
+            <pc:docMk/>
+            <pc:sldMk cId="0" sldId="262"/>
+            <ac:picMk id="3" creationId="{DB345530-37FC-44EF-5B41-4C78EC43B63F}"/>
+          </ac:picMkLst>
+        </pc:picChg>
+        <pc:picChg chg="del mod">
+          <ac:chgData name="241914-Muhammad Bilal" userId="39abd5ef0e39aafd" providerId="LiveId" clId="{9306A163-08C4-45EF-8EE0-4193EE2A54A1}" dt="2025-06-14T18:31:22.442" v="812" actId="478"/>
           <ac:picMkLst>
             <pc:docMk/>
             <pc:sldMk cId="0" sldId="262"/>
@@ -848,54 +792,6 @@
             <ac:spMk id="11" creationId="{00000000-0000-0000-0000-000000000000}"/>
           </ac:spMkLst>
         </pc:spChg>
-        <pc:spChg chg="del">
-          <ac:chgData name="241914-Muhammad Bilal" userId="39abd5ef0e39aafd" providerId="LiveId" clId="{9306A163-08C4-45EF-8EE0-4193EE2A54A1}" dt="2025-06-11T16:02:13.920" v="383" actId="21"/>
-          <ac:spMkLst>
-            <pc:docMk/>
-            <pc:sldMk cId="0" sldId="267"/>
-            <ac:spMk id="12" creationId="{00000000-0000-0000-0000-000000000000}"/>
-          </ac:spMkLst>
-        </pc:spChg>
-        <pc:spChg chg="del">
-          <ac:chgData name="241914-Muhammad Bilal" userId="39abd5ef0e39aafd" providerId="LiveId" clId="{9306A163-08C4-45EF-8EE0-4193EE2A54A1}" dt="2025-06-11T16:02:13.920" v="383" actId="21"/>
-          <ac:spMkLst>
-            <pc:docMk/>
-            <pc:sldMk cId="0" sldId="267"/>
-            <ac:spMk id="13" creationId="{00000000-0000-0000-0000-000000000000}"/>
-          </ac:spMkLst>
-        </pc:spChg>
-        <pc:spChg chg="del">
-          <ac:chgData name="241914-Muhammad Bilal" userId="39abd5ef0e39aafd" providerId="LiveId" clId="{9306A163-08C4-45EF-8EE0-4193EE2A54A1}" dt="2025-06-11T16:02:13.920" v="383" actId="21"/>
-          <ac:spMkLst>
-            <pc:docMk/>
-            <pc:sldMk cId="0" sldId="267"/>
-            <ac:spMk id="14" creationId="{00000000-0000-0000-0000-000000000000}"/>
-          </ac:spMkLst>
-        </pc:spChg>
-        <pc:spChg chg="del">
-          <ac:chgData name="241914-Muhammad Bilal" userId="39abd5ef0e39aafd" providerId="LiveId" clId="{9306A163-08C4-45EF-8EE0-4193EE2A54A1}" dt="2025-06-11T16:02:13.920" v="383" actId="21"/>
-          <ac:spMkLst>
-            <pc:docMk/>
-            <pc:sldMk cId="0" sldId="267"/>
-            <ac:spMk id="15" creationId="{00000000-0000-0000-0000-000000000000}"/>
-          </ac:spMkLst>
-        </pc:spChg>
-        <pc:spChg chg="del">
-          <ac:chgData name="241914-Muhammad Bilal" userId="39abd5ef0e39aafd" providerId="LiveId" clId="{9306A163-08C4-45EF-8EE0-4193EE2A54A1}" dt="2025-06-11T16:02:13.920" v="383" actId="21"/>
-          <ac:spMkLst>
-            <pc:docMk/>
-            <pc:sldMk cId="0" sldId="267"/>
-            <ac:spMk id="16" creationId="{00000000-0000-0000-0000-000000000000}"/>
-          </ac:spMkLst>
-        </pc:spChg>
-        <pc:spChg chg="del mod">
-          <ac:chgData name="241914-Muhammad Bilal" userId="39abd5ef0e39aafd" providerId="LiveId" clId="{9306A163-08C4-45EF-8EE0-4193EE2A54A1}" dt="2025-06-11T16:08:05.317" v="458" actId="478"/>
-          <ac:spMkLst>
-            <pc:docMk/>
-            <pc:sldMk cId="0" sldId="267"/>
-            <ac:spMk id="17" creationId="{00000000-0000-0000-0000-000000000000}"/>
-          </ac:spMkLst>
-        </pc:spChg>
         <pc:spChg chg="add mod">
           <ac:chgData name="241914-Muhammad Bilal" userId="39abd5ef0e39aafd" providerId="LiveId" clId="{9306A163-08C4-45EF-8EE0-4193EE2A54A1}" dt="2025-06-11T16:12:22.648" v="513" actId="207"/>
           <ac:spMkLst>
@@ -950,78 +846,6 @@
           <pc:docMk/>
           <pc:sldMk cId="3798881531" sldId="269"/>
         </pc:sldMkLst>
-        <pc:spChg chg="del">
-          <ac:chgData name="241914-Muhammad Bilal" userId="39abd5ef0e39aafd" providerId="LiveId" clId="{9306A163-08C4-45EF-8EE0-4193EE2A54A1}" dt="2025-06-11T16:02:18.794" v="384" actId="478"/>
-          <ac:spMkLst>
-            <pc:docMk/>
-            <pc:sldMk cId="3798881531" sldId="269"/>
-            <ac:spMk id="3" creationId="{4F6520D1-EF5A-4B41-1125-B72F226FC9A0}"/>
-          </ac:spMkLst>
-        </pc:spChg>
-        <pc:spChg chg="del">
-          <ac:chgData name="241914-Muhammad Bilal" userId="39abd5ef0e39aafd" providerId="LiveId" clId="{9306A163-08C4-45EF-8EE0-4193EE2A54A1}" dt="2025-06-11T16:02:18.794" v="384" actId="478"/>
-          <ac:spMkLst>
-            <pc:docMk/>
-            <pc:sldMk cId="3798881531" sldId="269"/>
-            <ac:spMk id="4" creationId="{401864C9-5CAB-C91D-5798-4D158FA1AA7A}"/>
-          </ac:spMkLst>
-        </pc:spChg>
-        <pc:spChg chg="del">
-          <ac:chgData name="241914-Muhammad Bilal" userId="39abd5ef0e39aafd" providerId="LiveId" clId="{9306A163-08C4-45EF-8EE0-4193EE2A54A1}" dt="2025-06-11T16:02:18.794" v="384" actId="478"/>
-          <ac:spMkLst>
-            <pc:docMk/>
-            <pc:sldMk cId="3798881531" sldId="269"/>
-            <ac:spMk id="5" creationId="{0DFCA73C-6BB4-6C11-18D7-0AC9C89A5244}"/>
-          </ac:spMkLst>
-        </pc:spChg>
-        <pc:spChg chg="del">
-          <ac:chgData name="241914-Muhammad Bilal" userId="39abd5ef0e39aafd" providerId="LiveId" clId="{9306A163-08C4-45EF-8EE0-4193EE2A54A1}" dt="2025-06-11T16:02:18.794" v="384" actId="478"/>
-          <ac:spMkLst>
-            <pc:docMk/>
-            <pc:sldMk cId="3798881531" sldId="269"/>
-            <ac:spMk id="6" creationId="{88C023E6-6E14-FC56-0EDD-BC40D66A4E78}"/>
-          </ac:spMkLst>
-        </pc:spChg>
-        <pc:spChg chg="del">
-          <ac:chgData name="241914-Muhammad Bilal" userId="39abd5ef0e39aafd" providerId="LiveId" clId="{9306A163-08C4-45EF-8EE0-4193EE2A54A1}" dt="2025-06-11T16:02:18.794" v="384" actId="478"/>
-          <ac:spMkLst>
-            <pc:docMk/>
-            <pc:sldMk cId="3798881531" sldId="269"/>
-            <ac:spMk id="7" creationId="{1B0751CD-A7B3-858B-FC98-71AF8E238C6A}"/>
-          </ac:spMkLst>
-        </pc:spChg>
-        <pc:spChg chg="del">
-          <ac:chgData name="241914-Muhammad Bilal" userId="39abd5ef0e39aafd" providerId="LiveId" clId="{9306A163-08C4-45EF-8EE0-4193EE2A54A1}" dt="2025-06-11T16:02:18.794" v="384" actId="478"/>
-          <ac:spMkLst>
-            <pc:docMk/>
-            <pc:sldMk cId="3798881531" sldId="269"/>
-            <ac:spMk id="8" creationId="{4EA11CAF-CF7E-5434-C3FB-AB6F8EADC47A}"/>
-          </ac:spMkLst>
-        </pc:spChg>
-        <pc:spChg chg="del mod">
-          <ac:chgData name="241914-Muhammad Bilal" userId="39abd5ef0e39aafd" providerId="LiveId" clId="{9306A163-08C4-45EF-8EE0-4193EE2A54A1}" dt="2025-06-11T16:02:30.495" v="386" actId="478"/>
-          <ac:spMkLst>
-            <pc:docMk/>
-            <pc:sldMk cId="3798881531" sldId="269"/>
-            <ac:spMk id="9" creationId="{283D121E-91AE-ED19-9A85-C30E5FFB0883}"/>
-          </ac:spMkLst>
-        </pc:spChg>
-        <pc:spChg chg="del">
-          <ac:chgData name="241914-Muhammad Bilal" userId="39abd5ef0e39aafd" providerId="LiveId" clId="{9306A163-08C4-45EF-8EE0-4193EE2A54A1}" dt="2025-06-11T16:02:30.495" v="386" actId="478"/>
-          <ac:spMkLst>
-            <pc:docMk/>
-            <pc:sldMk cId="3798881531" sldId="269"/>
-            <ac:spMk id="10" creationId="{8D2F7A1B-C607-EBE0-AC37-45928429DBC8}"/>
-          </ac:spMkLst>
-        </pc:spChg>
-        <pc:spChg chg="del">
-          <ac:chgData name="241914-Muhammad Bilal" userId="39abd5ef0e39aafd" providerId="LiveId" clId="{9306A163-08C4-45EF-8EE0-4193EE2A54A1}" dt="2025-06-11T16:02:30.495" v="386" actId="478"/>
-          <ac:spMkLst>
-            <pc:docMk/>
-            <pc:sldMk cId="3798881531" sldId="269"/>
-            <ac:spMk id="11" creationId="{07DBCFD7-9ABF-415E-0062-D1043C89A098}"/>
-          </ac:spMkLst>
-        </pc:spChg>
         <pc:spChg chg="mod">
           <ac:chgData name="241914-Muhammad Bilal" userId="39abd5ef0e39aafd" providerId="LiveId" clId="{9306A163-08C4-45EF-8EE0-4193EE2A54A1}" dt="2025-06-11T16:06:49.147" v="436" actId="1076"/>
           <ac:spMkLst>
@@ -1062,14 +886,6 @@
             <ac:spMk id="16" creationId="{CA57192D-197C-5221-8229-1CFCA9FB2608}"/>
           </ac:spMkLst>
         </pc:spChg>
-        <pc:spChg chg="del mod">
-          <ac:chgData name="241914-Muhammad Bilal" userId="39abd5ef0e39aafd" providerId="LiveId" clId="{9306A163-08C4-45EF-8EE0-4193EE2A54A1}" dt="2025-06-11T16:06:24.434" v="432" actId="478"/>
-          <ac:spMkLst>
-            <pc:docMk/>
-            <pc:sldMk cId="3798881531" sldId="269"/>
-            <ac:spMk id="17" creationId="{1DB5CC7F-FE22-2554-1C5C-3CF888ED178C}"/>
-          </ac:spMkLst>
-        </pc:spChg>
         <pc:spChg chg="add mod">
           <ac:chgData name="241914-Muhammad Bilal" userId="39abd5ef0e39aafd" providerId="LiveId" clId="{9306A163-08C4-45EF-8EE0-4193EE2A54A1}" dt="2025-06-11T16:12:27.084" v="514" actId="207"/>
           <ac:spMkLst>
@@ -1093,86 +909,6 @@
           <pc:docMk/>
           <pc:sldMk cId="1542815043" sldId="270"/>
         </pc:sldMkLst>
-        <pc:spChg chg="del">
-          <ac:chgData name="241914-Muhammad Bilal" userId="39abd5ef0e39aafd" providerId="LiveId" clId="{9306A163-08C4-45EF-8EE0-4193EE2A54A1}" dt="2025-06-11T15:59:52.404" v="347" actId="478"/>
-          <ac:spMkLst>
-            <pc:docMk/>
-            <pc:sldMk cId="1542815043" sldId="270"/>
-            <ac:spMk id="2" creationId="{0F44DE06-39CC-8A4D-1A9F-13B2AE8C5E82}"/>
-          </ac:spMkLst>
-        </pc:spChg>
-        <pc:spChg chg="del">
-          <ac:chgData name="241914-Muhammad Bilal" userId="39abd5ef0e39aafd" providerId="LiveId" clId="{9306A163-08C4-45EF-8EE0-4193EE2A54A1}" dt="2025-06-11T15:59:52.404" v="347" actId="478"/>
-          <ac:spMkLst>
-            <pc:docMk/>
-            <pc:sldMk cId="1542815043" sldId="270"/>
-            <ac:spMk id="4" creationId="{9BAB7DDF-A0A6-F335-1BC6-40942ED8A42F}"/>
-          </ac:spMkLst>
-        </pc:spChg>
-        <pc:spChg chg="del">
-          <ac:chgData name="241914-Muhammad Bilal" userId="39abd5ef0e39aafd" providerId="LiveId" clId="{9306A163-08C4-45EF-8EE0-4193EE2A54A1}" dt="2025-06-11T15:59:52.404" v="347" actId="478"/>
-          <ac:spMkLst>
-            <pc:docMk/>
-            <pc:sldMk cId="1542815043" sldId="270"/>
-            <ac:spMk id="8" creationId="{D3F86E1D-7DAA-A0B1-C451-4D873D78E443}"/>
-          </ac:spMkLst>
-        </pc:spChg>
-        <pc:spChg chg="del">
-          <ac:chgData name="241914-Muhammad Bilal" userId="39abd5ef0e39aafd" providerId="LiveId" clId="{9306A163-08C4-45EF-8EE0-4193EE2A54A1}" dt="2025-06-11T15:59:52.404" v="347" actId="478"/>
-          <ac:spMkLst>
-            <pc:docMk/>
-            <pc:sldMk cId="1542815043" sldId="270"/>
-            <ac:spMk id="9" creationId="{EDDB3C27-C7D0-204C-D9E8-0610B62E3A57}"/>
-          </ac:spMkLst>
-        </pc:spChg>
-        <pc:spChg chg="del">
-          <ac:chgData name="241914-Muhammad Bilal" userId="39abd5ef0e39aafd" providerId="LiveId" clId="{9306A163-08C4-45EF-8EE0-4193EE2A54A1}" dt="2025-06-11T15:59:52.404" v="347" actId="478"/>
-          <ac:spMkLst>
-            <pc:docMk/>
-            <pc:sldMk cId="1542815043" sldId="270"/>
-            <ac:spMk id="10" creationId="{6BE7B291-16A1-2EFF-A1CB-B60F8416FC5E}"/>
-          </ac:spMkLst>
-        </pc:spChg>
-        <pc:spChg chg="del">
-          <ac:chgData name="241914-Muhammad Bilal" userId="39abd5ef0e39aafd" providerId="LiveId" clId="{9306A163-08C4-45EF-8EE0-4193EE2A54A1}" dt="2025-06-11T15:59:52.404" v="347" actId="478"/>
-          <ac:spMkLst>
-            <pc:docMk/>
-            <pc:sldMk cId="1542815043" sldId="270"/>
-            <ac:spMk id="12" creationId="{FCE2E1C4-3AF7-7FD7-4997-49C531094F6C}"/>
-          </ac:spMkLst>
-        </pc:spChg>
-        <pc:spChg chg="del">
-          <ac:chgData name="241914-Muhammad Bilal" userId="39abd5ef0e39aafd" providerId="LiveId" clId="{9306A163-08C4-45EF-8EE0-4193EE2A54A1}" dt="2025-06-11T15:59:52.404" v="347" actId="478"/>
-          <ac:spMkLst>
-            <pc:docMk/>
-            <pc:sldMk cId="1542815043" sldId="270"/>
-            <ac:spMk id="13" creationId="{BF326A22-0766-13FB-12AF-1BED09B72242}"/>
-          </ac:spMkLst>
-        </pc:spChg>
-        <pc:spChg chg="del">
-          <ac:chgData name="241914-Muhammad Bilal" userId="39abd5ef0e39aafd" providerId="LiveId" clId="{9306A163-08C4-45EF-8EE0-4193EE2A54A1}" dt="2025-06-11T15:59:52.404" v="347" actId="478"/>
-          <ac:spMkLst>
-            <pc:docMk/>
-            <pc:sldMk cId="1542815043" sldId="270"/>
-            <ac:spMk id="14" creationId="{26C6D37B-920E-1CA9-64EB-64092A4F153C}"/>
-          </ac:spMkLst>
-        </pc:spChg>
-        <pc:spChg chg="del">
-          <ac:chgData name="241914-Muhammad Bilal" userId="39abd5ef0e39aafd" providerId="LiveId" clId="{9306A163-08C4-45EF-8EE0-4193EE2A54A1}" dt="2025-06-11T15:59:52.404" v="347" actId="478"/>
-          <ac:spMkLst>
-            <pc:docMk/>
-            <pc:sldMk cId="1542815043" sldId="270"/>
-            <ac:spMk id="15" creationId="{9B481291-3B08-5FBF-B752-1568C15BDC5A}"/>
-          </ac:spMkLst>
-        </pc:spChg>
-        <pc:spChg chg="del">
-          <ac:chgData name="241914-Muhammad Bilal" userId="39abd5ef0e39aafd" providerId="LiveId" clId="{9306A163-08C4-45EF-8EE0-4193EE2A54A1}" dt="2025-06-11T15:59:52.404" v="347" actId="478"/>
-          <ac:spMkLst>
-            <pc:docMk/>
-            <pc:sldMk cId="1542815043" sldId="270"/>
-            <ac:spMk id="16" creationId="{CDD98C95-E540-EDC7-CA64-295120534E95}"/>
-          </ac:spMkLst>
-        </pc:spChg>
         <pc:spChg chg="mod">
           <ac:chgData name="241914-Muhammad Bilal" userId="39abd5ef0e39aafd" providerId="LiveId" clId="{9306A163-08C4-45EF-8EE0-4193EE2A54A1}" dt="2025-06-11T16:00:37.879" v="379"/>
           <ac:spMkLst>
@@ -1181,14 +917,6 @@
             <ac:spMk id="17" creationId="{BDDBE578-E9E7-F086-48F0-94533CFD3D5A}"/>
           </ac:spMkLst>
         </pc:spChg>
-        <pc:picChg chg="add del mod">
-          <ac:chgData name="241914-Muhammad Bilal" userId="39abd5ef0e39aafd" providerId="LiveId" clId="{9306A163-08C4-45EF-8EE0-4193EE2A54A1}" dt="2025-06-11T16:01:29.271" v="382" actId="478"/>
-          <ac:picMkLst>
-            <pc:docMk/>
-            <pc:sldMk cId="1542815043" sldId="270"/>
-            <ac:picMk id="3074" creationId="{F31DF9CC-7AA1-C77C-68A7-47F6AA483D40}"/>
-          </ac:picMkLst>
-        </pc:picChg>
       </pc:sldChg>
     </pc:docChg>
   </pc:docChgLst>
@@ -4708,13 +4436,13 @@
   <p:clrMapOvr>
     <a:masterClrMapping/>
   </p:clrMapOvr>
-  <mc:AlternateContent xmlns:mc="http://schemas.openxmlformats.org/markup-compatibility/2006">
-    <mc:Choice xmlns:p15="http://schemas.microsoft.com/office/powerpoint/2012/main" Requires="p15">
+  <mc:AlternateContent xmlns:mc="http://schemas.openxmlformats.org/markup-compatibility/2006" xmlns:p15="http://schemas.microsoft.com/office/powerpoint/2012/main">
+    <mc:Choice Requires="p15">
       <p:transition xmlns:p14="http://schemas.microsoft.com/office/powerpoint/2010/main" spd="slow" p14:dur="1250">
         <p15:prstTrans prst="fallOver"/>
       </p:transition>
     </mc:Choice>
-    <mc:Fallback>
+    <mc:Fallback xmlns="">
       <p:transition spd="slow">
         <p:fade/>
       </p:transition>
@@ -5159,13 +4887,13 @@
   <p:clrMapOvr>
     <a:masterClrMapping/>
   </p:clrMapOvr>
-  <mc:AlternateContent xmlns:mc="http://schemas.openxmlformats.org/markup-compatibility/2006">
-    <mc:Choice xmlns:p14="http://schemas.microsoft.com/office/powerpoint/2010/main" Requires="p14">
+  <mc:AlternateContent xmlns:mc="http://schemas.openxmlformats.org/markup-compatibility/2006" xmlns:p14="http://schemas.microsoft.com/office/powerpoint/2010/main">
+    <mc:Choice Requires="p14">
       <p:transition spd="slow" p14:dur="1750">
         <p14:reveal/>
       </p:transition>
     </mc:Choice>
-    <mc:Fallback>
+    <mc:Fallback xmlns="">
       <p:transition spd="slow">
         <p:fade/>
       </p:transition>
@@ -5279,13 +5007,13 @@
   <p:clrMapOvr>
     <a:masterClrMapping/>
   </p:clrMapOvr>
-  <mc:AlternateContent xmlns:mc="http://schemas.openxmlformats.org/markup-compatibility/2006">
-    <mc:Choice xmlns:p15="http://schemas.microsoft.com/office/powerpoint/2012/main" Requires="p15">
+  <mc:AlternateContent xmlns:mc="http://schemas.openxmlformats.org/markup-compatibility/2006" xmlns:p15="http://schemas.microsoft.com/office/powerpoint/2012/main">
+    <mc:Choice Requires="p15">
       <p:transition xmlns:p14="http://schemas.microsoft.com/office/powerpoint/2010/main" spd="slow" p14:dur="1250">
         <p15:prstTrans prst="peelOff"/>
       </p:transition>
     </mc:Choice>
-    <mc:Fallback>
+    <mc:Fallback xmlns="">
       <p:transition spd="slow">
         <p:fade/>
       </p:transition>
@@ -9461,13 +9189,13 @@
   <p:clrMapOvr>
     <a:masterClrMapping/>
   </p:clrMapOvr>
-  <mc:AlternateContent xmlns:mc="http://schemas.openxmlformats.org/markup-compatibility/2006">
-    <mc:Choice xmlns:p14="http://schemas.microsoft.com/office/powerpoint/2010/main" Requires="p14">
+  <mc:AlternateContent xmlns:mc="http://schemas.openxmlformats.org/markup-compatibility/2006" xmlns:p14="http://schemas.microsoft.com/office/powerpoint/2010/main">
+    <mc:Choice Requires="p14">
       <p:transition spd="slow" p14:dur="2000">
         <p14:reveal/>
       </p:transition>
     </mc:Choice>
-    <mc:Fallback>
+    <mc:Fallback xmlns="">
       <p:transition spd="slow">
         <p:fade/>
       </p:transition>
@@ -9526,10 +9254,10 @@
       </p:sp>
       <p:pic>
         <p:nvPicPr>
-          <p:cNvPr id="6" name="Picture 5" descr="A screenshot of a computer&#10;&#10;AI-generated content may be incorrect.">
+          <p:cNvPr id="3" name="Picture 2">
             <a:extLst>
               <a:ext uri="{FF2B5EF4-FFF2-40B4-BE49-F238E27FC236}">
-                <a16:creationId xmlns:a16="http://schemas.microsoft.com/office/drawing/2014/main" id="{356E2EFC-1F4B-47FE-21FC-FCCB2AD9CBCE}"/>
+                <a16:creationId xmlns:a16="http://schemas.microsoft.com/office/drawing/2014/main" id="{DB345530-37FC-44EF-5B41-4C78EC43B63F}"/>
               </a:ext>
             </a:extLst>
           </p:cNvPr>
@@ -9539,30 +9267,15 @@
           <p:nvPr/>
         </p:nvPicPr>
         <p:blipFill>
-          <a:blip r:embed="rId3">
-            <a:extLst>
-              <a:ext uri="{BEBA8EAE-BF5A-486C-A8C5-ECC9F3942E4B}">
-                <a14:imgProps xmlns:a14="http://schemas.microsoft.com/office/drawing/2010/main">
-                  <a14:imgLayer r:embed="rId4">
-                    <a14:imgEffect>
-                      <a14:sharpenSoften amount="25000"/>
-                    </a14:imgEffect>
-                    <a14:imgEffect>
-                      <a14:saturation sat="400000"/>
-                    </a14:imgEffect>
-                  </a14:imgLayer>
-                </a14:imgProps>
-              </a:ext>
-            </a:extLst>
-          </a:blip>
+          <a:blip r:embed="rId3"/>
           <a:stretch>
             <a:fillRect/>
           </a:stretch>
         </p:blipFill>
         <p:spPr>
           <a:xfrm>
-            <a:off x="1" y="0"/>
-            <a:ext cx="14630399" cy="8229600"/>
+            <a:off x="1552074" y="101825"/>
+            <a:ext cx="11694695" cy="8025949"/>
           </a:xfrm>
           <a:prstGeom prst="rect">
             <a:avLst/>
@@ -9574,13 +9287,13 @@
   <p:clrMapOvr>
     <a:masterClrMapping/>
   </p:clrMapOvr>
-  <mc:AlternateContent xmlns:mc="http://schemas.openxmlformats.org/markup-compatibility/2006">
-    <mc:Choice xmlns:p15="http://schemas.microsoft.com/office/powerpoint/2012/main" Requires="p15">
+  <mc:AlternateContent xmlns:mc="http://schemas.openxmlformats.org/markup-compatibility/2006" xmlns:p15="http://schemas.microsoft.com/office/powerpoint/2012/main">
+    <mc:Choice Requires="p15">
       <p:transition xmlns:p14="http://schemas.microsoft.com/office/powerpoint/2010/main" spd="slow" p14:dur="1500">
         <p15:prstTrans prst="wind"/>
       </p:transition>
     </mc:Choice>
-    <mc:Fallback>
+    <mc:Fallback xmlns="">
       <p:transition spd="slow">
         <p:fade/>
       </p:transition>
@@ -11984,13 +11697,13 @@
   <p:clrMapOvr>
     <a:masterClrMapping/>
   </p:clrMapOvr>
-  <mc:AlternateContent xmlns:mc="http://schemas.openxmlformats.org/markup-compatibility/2006">
-    <mc:Choice xmlns:p14="http://schemas.microsoft.com/office/powerpoint/2010/main" Requires="p14">
+  <mc:AlternateContent xmlns:mc="http://schemas.openxmlformats.org/markup-compatibility/2006" xmlns:p14="http://schemas.microsoft.com/office/powerpoint/2010/main">
+    <mc:Choice Requires="p14">
       <p:transition spd="slow" p14:dur="1600">
         <p:blinds dir="vert"/>
       </p:transition>
     </mc:Choice>
-    <mc:Fallback>
+    <mc:Fallback xmlns="">
       <p:transition spd="slow">
         <p:blinds dir="vert"/>
       </p:transition>
